--- a/Resources/AIMMSPRO/Deploy_DataServerComm_3_RemoveVeil/Images/ThreeLevelsOfExecution.pptx
+++ b/Resources/AIMMSPRO/Deploy_DataServerComm_3_RemoveVeil/Images/ThreeLevelsOfExecution.pptx
@@ -5,14 +5,15 @@
     <p:sldMasterId id="2147483684" r:id="rId4"/>
   </p:sldMasterIdLst>
   <p:notesMasterIdLst>
-    <p:notesMasterId r:id="rId7"/>
+    <p:notesMasterId r:id="rId8"/>
   </p:notesMasterIdLst>
   <p:handoutMasterIdLst>
-    <p:handoutMasterId r:id="rId8"/>
+    <p:handoutMasterId r:id="rId9"/>
   </p:handoutMasterIdLst>
   <p:sldIdLst>
     <p:sldId id="256" r:id="rId5"/>
-    <p:sldId id="257" r:id="rId6"/>
+    <p:sldId id="258" r:id="rId6"/>
+    <p:sldId id="257" r:id="rId7"/>
   </p:sldIdLst>
   <p:sldSz cx="12192000" cy="6858000"/>
   <p:notesSz cx="6858000" cy="9144000"/>
@@ -221,7 +222,7 @@
             <a:fld id="{B1603AB5-52B7-8045-BEFE-97F8347DAEAC}" type="datetimeFigureOut">
               <a:rPr lang="en-US" smtClean="0"/>
               <a:pPr/>
-              <a:t>5/1/2018</a:t>
+              <a:t>6/18/2018</a:t>
             </a:fld>
             <a:endParaRPr lang="en-US"/>
           </a:p>
@@ -389,7 +390,7 @@
             <a:fld id="{EFF03303-0379-0E48-9B93-EC7286F8FEE5}" type="datetimeFigureOut">
               <a:rPr lang="en-US" smtClean="0"/>
               <a:pPr/>
-              <a:t>5/1/2018</a:t>
+              <a:t>6/18/2018</a:t>
             </a:fld>
             <a:endParaRPr lang="en-US"/>
           </a:p>
@@ -4937,14 +4938,20 @@
             <p:ph type="title"/>
           </p:nvPr>
         </p:nvSpPr>
-        <p:spPr/>
+        <p:spPr>
+          <a:xfrm>
+            <a:off x="838201" y="434975"/>
+            <a:ext cx="10669579" cy="450850"/>
+          </a:xfrm>
+        </p:spPr>
         <p:txBody>
           <a:bodyPr/>
           <a:lstStyle/>
           <a:p>
+            <a:pPr algn="ctr"/>
             <a:r>
               <a:rPr lang="en-US" dirty="0"/>
-              <a:t>Three levels of execution</a:t>
+              <a:t>Three levels of execution, and time callback</a:t>
             </a:r>
           </a:p>
         </p:txBody>
@@ -4994,7 +5001,7 @@
         <p:spPr>
           <a:xfrm>
             <a:off x="838201" y="1719743"/>
-            <a:ext cx="2886511" cy="3607266"/>
+            <a:ext cx="2886511" cy="2146404"/>
           </a:xfrm>
           <a:prstGeom prst="roundRect">
             <a:avLst/>
@@ -5041,7 +5048,7 @@
         <p:spPr>
           <a:xfrm>
             <a:off x="5019238" y="1719743"/>
-            <a:ext cx="6488542" cy="3607266"/>
+            <a:ext cx="6488542" cy="2146404"/>
           </a:xfrm>
           <a:prstGeom prst="roundRect">
             <a:avLst/>
@@ -5087,7 +5094,7 @@
         <p:spPr>
           <a:xfrm>
             <a:off x="9156530" y="1912690"/>
-            <a:ext cx="2038524" cy="3221372"/>
+            <a:ext cx="2038524" cy="1696784"/>
           </a:xfrm>
           <a:prstGeom prst="roundRect">
             <a:avLst/>
@@ -5136,7 +5143,7 @@
         </p:nvSpPr>
         <p:spPr>
           <a:xfrm>
-            <a:off x="7143751" y="2640043"/>
+            <a:off x="7143751" y="2408914"/>
             <a:ext cx="3352800" cy="746620"/>
           </a:xfrm>
           <a:prstGeom prst="leftArrow">
@@ -5178,10 +5185,10 @@
       </p:sp>
       <p:sp>
         <p:nvSpPr>
-          <p:cNvPr id="11" name="Arrow: Left 10">
+          <p:cNvPr id="12" name="Arrow: Left 11">
             <a:extLst>
               <a:ext uri="{FF2B5EF4-FFF2-40B4-BE49-F238E27FC236}">
-                <a16:creationId xmlns:a16="http://schemas.microsoft.com/office/drawing/2014/main" id="{6BE7FF4F-C42F-42A7-BE13-33810BD50112}"/>
+                <a16:creationId xmlns:a16="http://schemas.microsoft.com/office/drawing/2014/main" id="{C2EE229D-5864-45C2-A47C-2EA0CC03E186}"/>
               </a:ext>
             </a:extLst>
           </p:cNvPr>
@@ -5190,14 +5197,14 @@
         </p:nvSpPr>
         <p:spPr>
           <a:xfrm>
-            <a:off x="7143751" y="4079725"/>
-            <a:ext cx="3352800" cy="746620"/>
+            <a:off x="2629748" y="2508758"/>
+            <a:ext cx="4458136" cy="546931"/>
           </a:xfrm>
           <a:prstGeom prst="leftArrow">
             <a:avLst/>
           </a:prstGeom>
           <a:solidFill>
-            <a:srgbClr val="FFFF00"/>
+            <a:schemeClr val="accent5"/>
           </a:solidFill>
         </p:spPr>
         <p:style>
@@ -5220,22 +5227,112 @@
           <a:p>
             <a:pPr algn="ctr"/>
             <a:r>
-              <a:rPr lang="en-US" dirty="0">
-                <a:solidFill>
-                  <a:schemeClr val="tx2"/>
-                </a:solidFill>
-              </a:rPr>
-              <a:t>Incumbent callback</a:t>
-            </a:r>
-          </a:p>
-        </p:txBody>
-      </p:sp>
-      <p:sp>
-        <p:nvSpPr>
-          <p:cNvPr id="12" name="Arrow: Left 11">
+              <a:rPr lang="en-US" dirty="0"/>
+              <a:t>Progress update</a:t>
+            </a:r>
+          </a:p>
+        </p:txBody>
+      </p:sp>
+    </p:spTree>
+    <p:extLst>
+      <p:ext uri="{BB962C8B-B14F-4D97-AF65-F5344CB8AC3E}">
+        <p14:creationId xmlns:p14="http://schemas.microsoft.com/office/powerpoint/2010/main" val="2900874350"/>
+      </p:ext>
+    </p:extLst>
+  </p:cSld>
+  <p:clrMapOvr>
+    <a:masterClrMapping/>
+  </p:clrMapOvr>
+</p:sld>
+</file>
+
+<file path=ppt/slides/slide3.xml><?xml version="1.0" encoding="utf-8"?>
+<p:sld xmlns:a="http://schemas.openxmlformats.org/drawingml/2006/main" xmlns:r="http://schemas.openxmlformats.org/officeDocument/2006/relationships" xmlns:p="http://schemas.openxmlformats.org/presentationml/2006/main">
+  <p:cSld>
+    <p:spTree>
+      <p:nvGrpSpPr>
+        <p:cNvPr id="1" name=""/>
+        <p:cNvGrpSpPr/>
+        <p:nvPr/>
+      </p:nvGrpSpPr>
+      <p:grpSpPr>
+        <a:xfrm>
+          <a:off x="0" y="0"/>
+          <a:ext cx="0" cy="0"/>
+          <a:chOff x="0" y="0"/>
+          <a:chExt cx="0" cy="0"/>
+        </a:xfrm>
+      </p:grpSpPr>
+      <p:sp>
+        <p:nvSpPr>
+          <p:cNvPr id="2" name="Title 1">
             <a:extLst>
               <a:ext uri="{FF2B5EF4-FFF2-40B4-BE49-F238E27FC236}">
-                <a16:creationId xmlns:a16="http://schemas.microsoft.com/office/drawing/2014/main" id="{C2EE229D-5864-45C2-A47C-2EA0CC03E186}"/>
+                <a16:creationId xmlns:a16="http://schemas.microsoft.com/office/drawing/2014/main" id="{C1B27394-F645-4A77-85ED-65A3E431DD5D}"/>
+              </a:ext>
+            </a:extLst>
+          </p:cNvPr>
+          <p:cNvSpPr>
+            <a:spLocks noGrp="1"/>
+          </p:cNvSpPr>
+          <p:nvPr>
+            <p:ph type="title"/>
+          </p:nvPr>
+        </p:nvSpPr>
+        <p:spPr>
+          <a:xfrm>
+            <a:off x="853021" y="434975"/>
+            <a:ext cx="10654759" cy="450850"/>
+          </a:xfrm>
+        </p:spPr>
+        <p:txBody>
+          <a:bodyPr/>
+          <a:lstStyle/>
+          <a:p>
+            <a:pPr algn="ctr"/>
+            <a:r>
+              <a:rPr lang="en-US" dirty="0"/>
+              <a:t>Three levels of execution, and incumbent callback</a:t>
+            </a:r>
+          </a:p>
+        </p:txBody>
+      </p:sp>
+      <p:sp>
+        <p:nvSpPr>
+          <p:cNvPr id="3" name="Slide Number Placeholder 2">
+            <a:extLst>
+              <a:ext uri="{FF2B5EF4-FFF2-40B4-BE49-F238E27FC236}">
+                <a16:creationId xmlns:a16="http://schemas.microsoft.com/office/drawing/2014/main" id="{A48AF714-4D90-40FA-A9A1-853CE9F77300}"/>
+              </a:ext>
+            </a:extLst>
+          </p:cNvPr>
+          <p:cNvSpPr>
+            <a:spLocks noGrp="1"/>
+          </p:cNvSpPr>
+          <p:nvPr>
+            <p:ph type="sldNum" sz="quarter" idx="4"/>
+          </p:nvPr>
+        </p:nvSpPr>
+        <p:spPr/>
+        <p:txBody>
+          <a:bodyPr/>
+          <a:lstStyle/>
+          <a:p>
+            <a:fld id="{937E74B9-F793-1749-8FE6-1D741809000E}" type="slidenum">
+              <a:rPr lang="en-US" smtClean="0"/>
+              <a:pPr/>
+              <a:t>3</a:t>
+            </a:fld>
+            <a:endParaRPr lang="en-US" dirty="0"/>
+          </a:p>
+        </p:txBody>
+      </p:sp>
+      <p:sp>
+        <p:nvSpPr>
+          <p:cNvPr id="4" name="Rectangle: Rounded Corners 3">
+            <a:extLst>
+              <a:ext uri="{FF2B5EF4-FFF2-40B4-BE49-F238E27FC236}">
+                <a16:creationId xmlns:a16="http://schemas.microsoft.com/office/drawing/2014/main" id="{15754E5D-1E2E-4D88-B964-2F97C72BFFF1}"/>
               </a:ext>
             </a:extLst>
           </p:cNvPr>
@@ -5244,15 +5341,12 @@
         </p:nvSpPr>
         <p:spPr>
           <a:xfrm>
-            <a:off x="2599889" y="2782224"/>
-            <a:ext cx="4458136" cy="546931"/>
-          </a:xfrm>
-          <a:prstGeom prst="leftArrow">
-            <a:avLst/>
-          </a:prstGeom>
-          <a:solidFill>
-            <a:schemeClr val="accent5"/>
-          </a:solidFill>
+            <a:off x="838201" y="1719743"/>
+            <a:ext cx="2886511" cy="2122341"/>
+          </a:xfrm>
+          <a:prstGeom prst="roundRect">
+            <a:avLst/>
+          </a:prstGeom>
         </p:spPr>
         <p:style>
           <a:lnRef idx="1">
@@ -5269,13 +5363,163 @@
           </a:fontRef>
         </p:style>
         <p:txBody>
+          <a:bodyPr rtlCol="0" anchor="t" anchorCtr="0"/>
+          <a:lstStyle/>
+          <a:p>
+            <a:pPr algn="ctr"/>
+            <a:r>
+              <a:rPr lang="en-US" dirty="0"/>
+              <a:t>3. Data Session</a:t>
+            </a:r>
+          </a:p>
+        </p:txBody>
+      </p:sp>
+      <p:sp>
+        <p:nvSpPr>
+          <p:cNvPr id="5" name="Rectangle: Rounded Corners 4">
+            <a:extLst>
+              <a:ext uri="{FF2B5EF4-FFF2-40B4-BE49-F238E27FC236}">
+                <a16:creationId xmlns:a16="http://schemas.microsoft.com/office/drawing/2014/main" id="{F9B56065-1B98-4E49-9393-EA304E5A3DAF}"/>
+              </a:ext>
+            </a:extLst>
+          </p:cNvPr>
+          <p:cNvSpPr/>
+          <p:nvPr/>
+        </p:nvSpPr>
+        <p:spPr>
+          <a:xfrm>
+            <a:off x="5019238" y="1719743"/>
+            <a:ext cx="6488542" cy="2122341"/>
+          </a:xfrm>
+          <a:prstGeom prst="roundRect">
+            <a:avLst/>
+          </a:prstGeom>
+        </p:spPr>
+        <p:style>
+          <a:lnRef idx="1">
+            <a:schemeClr val="accent1"/>
+          </a:lnRef>
+          <a:fillRef idx="3">
+            <a:schemeClr val="accent1"/>
+          </a:fillRef>
+          <a:effectRef idx="2">
+            <a:schemeClr val="accent1"/>
+          </a:effectRef>
+          <a:fontRef idx="minor">
+            <a:schemeClr val="lt1"/>
+          </a:fontRef>
+        </p:style>
+        <p:txBody>
+          <a:bodyPr rtlCol="0" anchor="t" anchorCtr="0"/>
+          <a:lstStyle/>
+          <a:p>
+            <a:r>
+              <a:rPr lang="en-US" dirty="0"/>
+              <a:t>2. Server session</a:t>
+            </a:r>
+          </a:p>
+        </p:txBody>
+      </p:sp>
+      <p:sp>
+        <p:nvSpPr>
+          <p:cNvPr id="6" name="Rectangle: Rounded Corners 5">
+            <a:extLst>
+              <a:ext uri="{FF2B5EF4-FFF2-40B4-BE49-F238E27FC236}">
+                <a16:creationId xmlns:a16="http://schemas.microsoft.com/office/drawing/2014/main" id="{2AE10A0F-3F3F-451D-9D55-12EF54641FCA}"/>
+              </a:ext>
+            </a:extLst>
+          </p:cNvPr>
+          <p:cNvSpPr/>
+          <p:nvPr/>
+        </p:nvSpPr>
+        <p:spPr>
+          <a:xfrm>
+            <a:off x="9156530" y="1912690"/>
+            <a:ext cx="2038524" cy="1656678"/>
+          </a:xfrm>
+          <a:prstGeom prst="roundRect">
+            <a:avLst/>
+          </a:prstGeom>
+          <a:solidFill>
+            <a:srgbClr val="92D050"/>
+          </a:solidFill>
+        </p:spPr>
+        <p:style>
+          <a:lnRef idx="1">
+            <a:schemeClr val="accent1"/>
+          </a:lnRef>
+          <a:fillRef idx="3">
+            <a:schemeClr val="accent1"/>
+          </a:fillRef>
+          <a:effectRef idx="2">
+            <a:schemeClr val="accent1"/>
+          </a:effectRef>
+          <a:fontRef idx="minor">
+            <a:schemeClr val="lt1"/>
+          </a:fontRef>
+        </p:style>
+        <p:txBody>
+          <a:bodyPr rtlCol="0" anchor="t" anchorCtr="0"/>
+          <a:lstStyle/>
+          <a:p>
+            <a:pPr algn="ctr"/>
+            <a:r>
+              <a:rPr lang="en-US" dirty="0"/>
+              <a:t>1. Solve</a:t>
+            </a:r>
+          </a:p>
+        </p:txBody>
+      </p:sp>
+      <p:sp>
+        <p:nvSpPr>
+          <p:cNvPr id="11" name="Arrow: Left 10">
+            <a:extLst>
+              <a:ext uri="{FF2B5EF4-FFF2-40B4-BE49-F238E27FC236}">
+                <a16:creationId xmlns:a16="http://schemas.microsoft.com/office/drawing/2014/main" id="{6BE7FF4F-C42F-42A7-BE13-33810BD50112}"/>
+              </a:ext>
+            </a:extLst>
+          </p:cNvPr>
+          <p:cNvSpPr/>
+          <p:nvPr/>
+        </p:nvSpPr>
+        <p:spPr>
+          <a:xfrm>
+            <a:off x="7143751" y="2349431"/>
+            <a:ext cx="3352800" cy="746620"/>
+          </a:xfrm>
+          <a:prstGeom prst="leftArrow">
+            <a:avLst/>
+          </a:prstGeom>
+          <a:solidFill>
+            <a:srgbClr val="FFFF00"/>
+          </a:solidFill>
+        </p:spPr>
+        <p:style>
+          <a:lnRef idx="1">
+            <a:schemeClr val="accent1"/>
+          </a:lnRef>
+          <a:fillRef idx="3">
+            <a:schemeClr val="accent1"/>
+          </a:fillRef>
+          <a:effectRef idx="2">
+            <a:schemeClr val="accent1"/>
+          </a:effectRef>
+          <a:fontRef idx="minor">
+            <a:schemeClr val="lt1"/>
+          </a:fontRef>
+        </p:style>
+        <p:txBody>
           <a:bodyPr rtlCol="0" anchor="ctr"/>
           <a:lstStyle/>
           <a:p>
             <a:pPr algn="ctr"/>
             <a:r>
-              <a:rPr lang="en-US" dirty="0"/>
-              <a:t>Progress update</a:t>
+              <a:rPr lang="en-US" dirty="0">
+                <a:solidFill>
+                  <a:schemeClr val="tx2"/>
+                </a:solidFill>
+              </a:rPr>
+              <a:t>Incumbent callback</a:t>
             </a:r>
           </a:p>
         </p:txBody>
@@ -5294,7 +5538,7 @@
         </p:nvSpPr>
         <p:spPr>
           <a:xfrm>
-            <a:off x="2599888" y="4213859"/>
+            <a:off x="2685615" y="2449276"/>
             <a:ext cx="4458136" cy="546931"/>
           </a:xfrm>
           <a:prstGeom prst="leftArrow">
@@ -6326,18 +6570,18 @@
 </file>
 
 <file path=customXml/item1.xml><?xml version="1.0" encoding="utf-8"?>
-<p:properties xmlns:p="http://schemas.microsoft.com/office/2006/metadata/properties" xmlns:xsi="http://www.w3.org/2001/XMLSchema-instance" xmlns:pc="http://schemas.microsoft.com/office/infopath/2007/PartnerControls">
-  <documentManagement/>
-</p:properties>
-</file>
-
-<file path=customXml/item2.xml><?xml version="1.0" encoding="utf-8"?>
 <?mso-contentType ?>
 <FormTemplates xmlns="http://schemas.microsoft.com/sharepoint/v3/contenttype/forms">
   <Display>DocumentLibraryForm</Display>
   <Edit>DocumentLibraryForm</Edit>
   <New>DocumentLibraryForm</New>
 </FormTemplates>
+</file>
+
+<file path=customXml/item2.xml><?xml version="1.0" encoding="utf-8"?>
+<p:properties xmlns:p="http://schemas.microsoft.com/office/2006/metadata/properties" xmlns:xsi="http://www.w3.org/2001/XMLSchema-instance" xmlns:pc="http://schemas.microsoft.com/office/infopath/2007/PartnerControls">
+  <documentManagement/>
+</p:properties>
 </file>
 
 <file path=customXml/item3.xml><?xml version="1.0" encoding="utf-8"?>
@@ -6495,6 +6739,14 @@
 </file>
 
 <file path=customXml/itemProps1.xml><?xml version="1.0" encoding="utf-8"?>
+<ds:datastoreItem xmlns:ds="http://schemas.openxmlformats.org/officeDocument/2006/customXml" ds:itemID="{74BCA57B-8451-400D-AF6D-A9DBB4806AF2}">
+  <ds:schemaRefs>
+    <ds:schemaRef ds:uri="http://schemas.microsoft.com/sharepoint/v3/contenttype/forms"/>
+  </ds:schemaRefs>
+</ds:datastoreItem>
+</file>
+
+<file path=customXml/itemProps2.xml><?xml version="1.0" encoding="utf-8"?>
 <ds:datastoreItem xmlns:ds="http://schemas.openxmlformats.org/officeDocument/2006/customXml" ds:itemID="{F4BD4880-0C9A-491D-872C-CB84E58DA4AE}">
   <ds:schemaRefs>
     <ds:schemaRef ds:uri="http://purl.org/dc/terms/"/>
@@ -6506,14 +6758,6 @@
     <ds:schemaRef ds:uri="http://schemas.microsoft.com/office/2006/documentManagement/types"/>
     <ds:schemaRef ds:uri="67d1ba68-3275-44c2-9ddb-2f8511f2ccbb"/>
     <ds:schemaRef ds:uri="http://www.w3.org/XML/1998/namespace"/>
-  </ds:schemaRefs>
-</ds:datastoreItem>
-</file>
-
-<file path=customXml/itemProps2.xml><?xml version="1.0" encoding="utf-8"?>
-<ds:datastoreItem xmlns:ds="http://schemas.openxmlformats.org/officeDocument/2006/customXml" ds:itemID="{74BCA57B-8451-400D-AF6D-A9DBB4806AF2}">
-  <ds:schemaRefs>
-    <ds:schemaRef ds:uri="http://schemas.microsoft.com/sharepoint/v3/contenttype/forms"/>
   </ds:schemaRefs>
 </ds:datastoreItem>
 </file>
